--- a/Datasci finance UBS 2016.09.12.pptx
+++ b/Datasci finance UBS 2016.09.12.pptx
@@ -11,11 +11,12 @@
     <p:sldId id="259" r:id="rId5"/>
     <p:sldId id="260" r:id="rId6"/>
     <p:sldId id="261" r:id="rId7"/>
-    <p:sldId id="263" r:id="rId8"/>
-    <p:sldId id="258" r:id="rId9"/>
-    <p:sldId id="265" r:id="rId10"/>
-    <p:sldId id="266" r:id="rId11"/>
-    <p:sldId id="264" r:id="rId12"/>
+    <p:sldId id="267" r:id="rId8"/>
+    <p:sldId id="263" r:id="rId9"/>
+    <p:sldId id="258" r:id="rId10"/>
+    <p:sldId id="265" r:id="rId11"/>
+    <p:sldId id="266" r:id="rId12"/>
+    <p:sldId id="264" r:id="rId13"/>
   </p:sldIdLst>
   <p:sldSz cx="9144000" cy="6858000" type="screen4x3"/>
   <p:notesSz cx="6858000" cy="9144000"/>
@@ -2911,7 +2912,7 @@
           <a:p>
             <a:fld id="{EBA561A4-D3FE-4B0C-BFCE-C20875A48C37}" type="datetimeFigureOut">
               <a:rPr lang="en-US" smtClean="0"/>
-              <a:t>9/12/2016</a:t>
+              <a:t>9/14/2016</a:t>
             </a:fld>
             <a:endParaRPr lang="en-US"/>
           </a:p>
@@ -3234,7 +3235,7 @@
           <a:p>
             <a:fld id="{EBA561A4-D3FE-4B0C-BFCE-C20875A48C37}" type="datetimeFigureOut">
               <a:rPr lang="en-US" smtClean="0"/>
-              <a:t>9/12/2016</a:t>
+              <a:t>9/14/2016</a:t>
             </a:fld>
             <a:endParaRPr lang="en-US"/>
           </a:p>
@@ -3409,7 +3410,7 @@
           <a:p>
             <a:fld id="{EBA561A4-D3FE-4B0C-BFCE-C20875A48C37}" type="datetimeFigureOut">
               <a:rPr lang="en-US" smtClean="0"/>
-              <a:t>9/12/2016</a:t>
+              <a:t>9/14/2016</a:t>
             </a:fld>
             <a:endParaRPr lang="en-US"/>
           </a:p>
@@ -3531,7 +3532,7 @@
           <a:p>
             <a:fld id="{EBA561A4-D3FE-4B0C-BFCE-C20875A48C37}" type="datetimeFigureOut">
               <a:rPr lang="en-US" smtClean="0"/>
-              <a:t>9/12/2016</a:t>
+              <a:t>9/14/2016</a:t>
             </a:fld>
             <a:endParaRPr lang="en-US"/>
           </a:p>
@@ -3854,7 +3855,7 @@
           <a:p>
             <a:fld id="{EBA561A4-D3FE-4B0C-BFCE-C20875A48C37}" type="datetimeFigureOut">
               <a:rPr lang="en-US" smtClean="0"/>
-              <a:t>9/12/2016</a:t>
+              <a:t>9/14/2016</a:t>
             </a:fld>
             <a:endParaRPr lang="en-US"/>
           </a:p>
@@ -4147,7 +4148,7 @@
           <a:p>
             <a:fld id="{EBA561A4-D3FE-4B0C-BFCE-C20875A48C37}" type="datetimeFigureOut">
               <a:rPr lang="en-US" smtClean="0"/>
-              <a:t>9/12/2016</a:t>
+              <a:t>9/14/2016</a:t>
             </a:fld>
             <a:endParaRPr lang="en-US"/>
           </a:p>
@@ -4575,7 +4576,7 @@
           <a:p>
             <a:fld id="{EBA561A4-D3FE-4B0C-BFCE-C20875A48C37}" type="datetimeFigureOut">
               <a:rPr lang="en-US" smtClean="0"/>
-              <a:t>9/12/2016</a:t>
+              <a:t>9/14/2016</a:t>
             </a:fld>
             <a:endParaRPr lang="en-US"/>
           </a:p>
@@ -4693,7 +4694,7 @@
           <a:p>
             <a:fld id="{EBA561A4-D3FE-4B0C-BFCE-C20875A48C37}" type="datetimeFigureOut">
               <a:rPr lang="en-US" smtClean="0"/>
-              <a:t>9/12/2016</a:t>
+              <a:t>9/14/2016</a:t>
             </a:fld>
             <a:endParaRPr lang="en-US"/>
           </a:p>
@@ -4783,7 +4784,7 @@
           <a:p>
             <a:fld id="{EBA561A4-D3FE-4B0C-BFCE-C20875A48C37}" type="datetimeFigureOut">
               <a:rPr lang="en-US" smtClean="0"/>
-              <a:t>9/12/2016</a:t>
+              <a:t>9/14/2016</a:t>
             </a:fld>
             <a:endParaRPr lang="en-US"/>
           </a:p>
@@ -5033,7 +5034,7 @@
           <a:p>
             <a:fld id="{EBA561A4-D3FE-4B0C-BFCE-C20875A48C37}" type="datetimeFigureOut">
               <a:rPr lang="en-US" smtClean="0"/>
-              <a:t>9/12/2016</a:t>
+              <a:t>9/14/2016</a:t>
             </a:fld>
             <a:endParaRPr lang="en-US"/>
           </a:p>
@@ -5549,7 +5550,7 @@
           <a:p>
             <a:fld id="{EBA561A4-D3FE-4B0C-BFCE-C20875A48C37}" type="datetimeFigureOut">
               <a:rPr lang="en-US" smtClean="0"/>
-              <a:t>9/12/2016</a:t>
+              <a:t>9/14/2016</a:t>
             </a:fld>
             <a:endParaRPr lang="en-US"/>
           </a:p>
@@ -5779,7 +5780,7 @@
           <a:p>
             <a:fld id="{EBA561A4-D3FE-4B0C-BFCE-C20875A48C37}" type="datetimeFigureOut">
               <a:rPr lang="en-US" smtClean="0"/>
-              <a:t>9/12/2016</a:t>
+              <a:t>9/14/2016</a:t>
             </a:fld>
             <a:endParaRPr lang="en-US"/>
           </a:p>
@@ -6294,14 +6295,44 @@
         </p:nvSpPr>
         <p:spPr/>
         <p:txBody>
-          <a:bodyPr/>
+          <a:bodyPr>
+            <a:normAutofit/>
+          </a:bodyPr>
           <a:lstStyle/>
           <a:p>
             <a:r>
-              <a:rPr lang="en-US" dirty="0" smtClean="0"/>
-              <a:t>Norman Niemer</a:t>
-            </a:r>
-            <a:endParaRPr lang="en-US" dirty="0"/>
+              <a:rPr lang="en-US" sz="2800" dirty="0" smtClean="0"/>
+              <a:t>Norman </a:t>
+            </a:r>
+            <a:r>
+              <a:rPr lang="en-US" sz="2800" dirty="0" smtClean="0"/>
+              <a:t>Niemer</a:t>
+            </a:r>
+          </a:p>
+          <a:p>
+            <a:r>
+              <a:rPr lang="en-US" sz="2800" dirty="0" smtClean="0">
+                <a:hlinkClick r:id="rId2"/>
+              </a:rPr>
+              <a:t>http</a:t>
+            </a:r>
+            <a:r>
+              <a:rPr lang="en-US" sz="2800" dirty="0">
+                <a:hlinkClick r:id="rId2"/>
+              </a:rPr>
+              <a:t>://</a:t>
+            </a:r>
+            <a:r>
+              <a:rPr lang="en-US" sz="2800" dirty="0" smtClean="0">
+                <a:hlinkClick r:id="rId2"/>
+              </a:rPr>
+              <a:t>tiny.cc/datasci-finance</a:t>
+            </a:r>
+            <a:r>
+              <a:rPr lang="en-US" sz="2800" dirty="0" smtClean="0"/>
+              <a:t> </a:t>
+            </a:r>
+            <a:endParaRPr lang="en-US" sz="2800" dirty="0"/>
           </a:p>
         </p:txBody>
       </p:sp>
@@ -6385,12 +6416,8 @@
           <a:lstStyle/>
           <a:p>
             <a:r>
-              <a:rPr lang="en-US" dirty="0" err="1" smtClean="0"/>
-              <a:t>Datasci</a:t>
-            </a:r>
-            <a:r>
               <a:rPr lang="en-US" dirty="0" smtClean="0"/>
-              <a:t> beyond finance</a:t>
+              <a:t>Coding prep</a:t>
             </a:r>
             <a:endParaRPr lang="en-US" dirty="0"/>
           </a:p>
@@ -6412,76 +6439,29 @@
           <a:lstStyle/>
           <a:p>
             <a:r>
+              <a:rPr lang="en-US" dirty="0">
+                <a:hlinkClick r:id="rId2"/>
+              </a:rPr>
+              <a:t>https://</a:t>
+            </a:r>
+            <a:r>
+              <a:rPr lang="en-US" dirty="0" smtClean="0">
+                <a:hlinkClick r:id="rId2"/>
+              </a:rPr>
+              <a:t>github.com/citynorman/datasci-finance/blob/master/pandas.ipynb</a:t>
+            </a:r>
+            <a:r>
               <a:rPr lang="en-US" dirty="0" smtClean="0"/>
-              <a:t>Virtual (shopping) assistants (</a:t>
-            </a:r>
-            <a:r>
-              <a:rPr lang="en-US" dirty="0" err="1" smtClean="0"/>
-              <a:t>Techcrunch</a:t>
-            </a:r>
-            <a:r>
-              <a:rPr lang="en-US" dirty="0" smtClean="0"/>
-              <a:t>, </a:t>
-            </a:r>
-            <a:r>
-              <a:rPr lang="en-US" dirty="0" err="1" smtClean="0"/>
-              <a:t>Mastercard</a:t>
-            </a:r>
-            <a:r>
-              <a:rPr lang="en-US" dirty="0" smtClean="0"/>
-              <a:t>)</a:t>
-            </a:r>
-          </a:p>
-          <a:p>
-            <a:r>
-              <a:rPr lang="en-US" dirty="0" smtClean="0"/>
-              <a:t>VR (Stamford innovation center)</a:t>
-            </a:r>
-          </a:p>
-          <a:p>
-            <a:r>
-              <a:rPr lang="en-US" dirty="0" smtClean="0"/>
-              <a:t>Expertise finding (</a:t>
-            </a:r>
-            <a:r>
-              <a:rPr lang="en-US" dirty="0" err="1" smtClean="0"/>
-              <a:t>Fintech</a:t>
-            </a:r>
-            <a:r>
-              <a:rPr lang="en-US" dirty="0"/>
               <a:t> </a:t>
             </a:r>
-            <a:r>
-              <a:rPr lang="en-US" dirty="0" smtClean="0"/>
-              <a:t>#2)</a:t>
-            </a:r>
-          </a:p>
-          <a:p>
-            <a:r>
-              <a:rPr lang="en-US" dirty="0" smtClean="0"/>
-              <a:t>Document tracking (</a:t>
-            </a:r>
-            <a:r>
-              <a:rPr lang="en-US" dirty="0" err="1" smtClean="0"/>
-              <a:t>Fintech</a:t>
-            </a:r>
-            <a:r>
-              <a:rPr lang="en-US" dirty="0" smtClean="0"/>
-              <a:t> #1)</a:t>
-            </a:r>
-          </a:p>
-          <a:p>
-            <a:r>
-              <a:rPr lang="en-US" dirty="0" smtClean="0"/>
-              <a:t>Robotics for kids</a:t>
-            </a:r>
+            <a:endParaRPr lang="en-US" dirty="0" smtClean="0"/>
           </a:p>
         </p:txBody>
       </p:sp>
     </p:spTree>
     <p:extLst>
       <p:ext uri="{BB962C8B-B14F-4D97-AF65-F5344CB8AC3E}">
-        <p14:creationId xmlns:p14="http://schemas.microsoft.com/office/powerpoint/2010/main" val="3560871329"/>
+        <p14:creationId xmlns:p14="http://schemas.microsoft.com/office/powerpoint/2010/main" val="2301309479"/>
       </p:ext>
     </p:extLst>
   </p:cSld>
@@ -6531,16 +6511,12 @@
           <a:lstStyle/>
           <a:p>
             <a:r>
-              <a:rPr lang="en-US" dirty="0" err="1"/>
+              <a:rPr lang="en-US" dirty="0" err="1" smtClean="0"/>
               <a:t>Datasci</a:t>
             </a:r>
             <a:r>
-              <a:rPr lang="en-US" dirty="0"/>
-              <a:t> </a:t>
-            </a:r>
-            <a:r>
               <a:rPr lang="en-US" dirty="0" smtClean="0"/>
-              <a:t>in the wild</a:t>
+              <a:t> beyond finance</a:t>
             </a:r>
             <a:endParaRPr lang="en-US" dirty="0"/>
           </a:p>
@@ -6563,58 +6539,182 @@
           <a:p>
             <a:r>
               <a:rPr lang="en-US" dirty="0" smtClean="0"/>
-              <a:t>Cloud / containerization</a:t>
-            </a:r>
-          </a:p>
-          <a:p>
+              <a:t>Virtual (shopping) assistants (</a:t>
+            </a:r>
+            <a:r>
+              <a:rPr lang="en-US" dirty="0" err="1" smtClean="0"/>
+              <a:t>Techcrunch</a:t>
+            </a:r>
             <a:r>
               <a:rPr lang="en-US" dirty="0" smtClean="0"/>
-              <a:t>Unstructured </a:t>
+              <a:t>, </a:t>
+            </a:r>
+            <a:r>
+              <a:rPr lang="en-US" dirty="0" err="1" smtClean="0"/>
+              <a:t>Mastercard</a:t>
             </a:r>
             <a:r>
               <a:rPr lang="en-US" dirty="0" smtClean="0"/>
-              <a:t>data</a:t>
-            </a:r>
-          </a:p>
-          <a:p>
-            <a:pPr lvl="1"/>
+              <a:t>)</a:t>
+            </a:r>
+          </a:p>
+          <a:p>
             <a:r>
               <a:rPr lang="en-US" dirty="0" smtClean="0"/>
-              <a:t>Web</a:t>
-            </a:r>
-          </a:p>
-          <a:p>
-            <a:pPr lvl="1"/>
+              <a:t>VR (Stamford innovation center)</a:t>
+            </a:r>
+          </a:p>
+          <a:p>
             <a:r>
               <a:rPr lang="en-US" dirty="0" smtClean="0"/>
-              <a:t>NLP</a:t>
-            </a:r>
-          </a:p>
-          <a:p>
-            <a:pPr lvl="1"/>
+              <a:t>Expertise finding (</a:t>
+            </a:r>
             <a:r>
               <a:rPr lang="en-US" dirty="0" err="1" smtClean="0"/>
-              <a:t>IoT</a:t>
+              <a:t>Fintech</a:t>
+            </a:r>
+            <a:r>
+              <a:rPr lang="en-US" dirty="0"/>
+              <a:t> </a:t>
+            </a:r>
+            <a:r>
+              <a:rPr lang="en-US" dirty="0" smtClean="0"/>
+              <a:t>#2)</a:t>
+            </a:r>
+          </a:p>
+          <a:p>
+            <a:r>
+              <a:rPr lang="en-US" dirty="0" smtClean="0"/>
+              <a:t>Document tracking (</a:t>
+            </a:r>
+            <a:r>
+              <a:rPr lang="en-US" dirty="0" err="1" smtClean="0"/>
+              <a:t>Fintech</a:t>
+            </a:r>
+            <a:r>
+              <a:rPr lang="en-US" dirty="0" smtClean="0"/>
+              <a:t> #1)</a:t>
+            </a:r>
+          </a:p>
+          <a:p>
+            <a:r>
+              <a:rPr lang="en-US" dirty="0" smtClean="0"/>
+              <a:t>Robotics for </a:t>
+            </a:r>
+            <a:r>
+              <a:rPr lang="en-US" dirty="0" smtClean="0"/>
+              <a:t>kids</a:t>
+            </a:r>
+          </a:p>
+          <a:p>
+            <a:r>
+              <a:rPr lang="en-US" dirty="0" smtClean="0"/>
+              <a:t>Open source portfolio management</a:t>
+            </a:r>
+            <a:endParaRPr lang="en-US" dirty="0" smtClean="0"/>
+          </a:p>
+        </p:txBody>
+      </p:sp>
+    </p:spTree>
+    <p:extLst>
+      <p:ext uri="{BB962C8B-B14F-4D97-AF65-F5344CB8AC3E}">
+        <p14:creationId xmlns:p14="http://schemas.microsoft.com/office/powerpoint/2010/main" val="3560871329"/>
+      </p:ext>
+    </p:extLst>
+  </p:cSld>
+  <p:clrMapOvr>
+    <a:masterClrMapping/>
+  </p:clrMapOvr>
+  <p:timing>
+    <p:tnLst>
+      <p:par>
+        <p:cTn id="1" dur="indefinite" restart="never" nodeType="tmRoot"/>
+      </p:par>
+    </p:tnLst>
+  </p:timing>
+</p:sld>
+</file>
+
+<file path=ppt/slides/slide12.xml><?xml version="1.0" encoding="utf-8"?>
+<p:sld xmlns:a="http://schemas.openxmlformats.org/drawingml/2006/main" xmlns:r="http://schemas.openxmlformats.org/officeDocument/2006/relationships" xmlns:p="http://schemas.openxmlformats.org/presentationml/2006/main">
+  <p:cSld>
+    <p:spTree>
+      <p:nvGrpSpPr>
+        <p:cNvPr id="1" name=""/>
+        <p:cNvGrpSpPr/>
+        <p:nvPr/>
+      </p:nvGrpSpPr>
+      <p:grpSpPr>
+        <a:xfrm>
+          <a:off x="0" y="0"/>
+          <a:ext cx="0" cy="0"/>
+          <a:chOff x="0" y="0"/>
+          <a:chExt cx="0" cy="0"/>
+        </a:xfrm>
+      </p:grpSpPr>
+      <p:sp>
+        <p:nvSpPr>
+          <p:cNvPr id="2" name="Title 1"/>
+          <p:cNvSpPr>
+            <a:spLocks noGrp="1"/>
+          </p:cNvSpPr>
+          <p:nvPr>
+            <p:ph type="title"/>
+          </p:nvPr>
+        </p:nvSpPr>
+        <p:spPr/>
+        <p:txBody>
+          <a:bodyPr/>
+          <a:lstStyle/>
+          <a:p>
+            <a:r>
+              <a:rPr lang="en-US" dirty="0" err="1"/>
+              <a:t>Datasci</a:t>
+            </a:r>
+            <a:r>
+              <a:rPr lang="en-US" dirty="0"/>
+              <a:t> </a:t>
+            </a:r>
+            <a:r>
+              <a:rPr lang="en-US" dirty="0" smtClean="0"/>
+              <a:t>frontier</a:t>
             </a:r>
             <a:endParaRPr lang="en-US" dirty="0"/>
           </a:p>
-          <a:p>
+        </p:txBody>
+      </p:sp>
+      <p:sp>
+        <p:nvSpPr>
+          <p:cNvPr id="3" name="Content Placeholder 2"/>
+          <p:cNvSpPr>
+            <a:spLocks noGrp="1"/>
+          </p:cNvSpPr>
+          <p:nvPr>
+            <p:ph sz="quarter" idx="13"/>
+          </p:nvPr>
+        </p:nvSpPr>
+        <p:spPr/>
+        <p:txBody>
+          <a:bodyPr/>
+          <a:lstStyle/>
+          <a:p>
+            <a:r>
+              <a:rPr lang="en-US" dirty="0">
+                <a:hlinkClick r:id="rId2"/>
+              </a:rPr>
+              <a:t>https://</a:t>
+            </a:r>
+            <a:r>
+              <a:rPr lang="en-US" dirty="0" smtClean="0">
+                <a:hlinkClick r:id="rId2"/>
+              </a:rPr>
+              <a:t>github.com/citynorman/datasci-finance/blob/master/references.ipynb</a:t>
+            </a:r>
             <a:r>
               <a:rPr lang="en-US" dirty="0" smtClean="0"/>
-              <a:t>Deep learning</a:t>
-            </a:r>
-          </a:p>
-          <a:p>
-            <a:r>
-              <a:rPr lang="en-US" dirty="0" smtClean="0"/>
-              <a:t>(Deep) reinforcement learning</a:t>
-            </a:r>
-          </a:p>
-          <a:p>
-            <a:r>
-              <a:rPr lang="en-US" dirty="0" smtClean="0"/>
-              <a:t>AI/Robotics</a:t>
-            </a:r>
+              <a:t> </a:t>
+            </a:r>
+            <a:endParaRPr lang="en-US" dirty="0" smtClean="0"/>
           </a:p>
         </p:txBody>
       </p:sp>
@@ -6891,454 +6991,106 @@
           </a:p>
         </p:txBody>
       </p:sp>
-      <p:graphicFrame>
-        <p:nvGraphicFramePr>
-          <p:cNvPr id="4" name="Content Placeholder 3"/>
-          <p:cNvGraphicFramePr>
-            <a:graphicFrameLocks noGrp="1"/>
-          </p:cNvGraphicFramePr>
+      <p:sp>
+        <p:nvSpPr>
+          <p:cNvPr id="3" name="Content Placeholder 2"/>
+          <p:cNvSpPr>
+            <a:spLocks noGrp="1"/>
+          </p:cNvSpPr>
           <p:nvPr>
             <p:ph sz="quarter" idx="13"/>
-            <p:extLst>
-              <p:ext uri="{D42A27DB-BD31-4B8C-83A1-F6EECF244321}">
-                <p14:modId xmlns:p14="http://schemas.microsoft.com/office/powerpoint/2010/main" val="3949434689"/>
-              </p:ext>
-            </p:extLst>
           </p:nvPr>
-        </p:nvGraphicFramePr>
-        <p:xfrm>
-          <a:off x="609600" y="1600200"/>
-          <a:ext cx="7924800" cy="3017520"/>
-        </p:xfrm>
-        <a:graphic>
-          <a:graphicData uri="http://schemas.openxmlformats.org/drawingml/2006/table">
-            <a:tbl>
-              <a:tblPr firstRow="1" bandRow="1">
-                <a:tableStyleId>{21E4AEA4-8DFA-4A89-87EB-49C32662AFE0}</a:tableStyleId>
-              </a:tblPr>
-              <a:tblGrid>
-                <a:gridCol w="3048000"/>
-                <a:gridCol w="4876800"/>
-              </a:tblGrid>
-              <a:tr h="370840">
-                <a:tc>
-                  <a:txBody>
-                    <a:bodyPr/>
-                    <a:lstStyle/>
-                    <a:p>
-                      <a:r>
-                        <a:rPr lang="en-US" sz="2400" dirty="0" smtClean="0"/>
-                        <a:t>Activity</a:t>
-                      </a:r>
-                      <a:endParaRPr lang="en-US" sz="2400" dirty="0"/>
-                    </a:p>
-                  </a:txBody>
-                  <a:tcPr/>
-                </a:tc>
-                <a:tc>
-                  <a:txBody>
-                    <a:bodyPr/>
-                    <a:lstStyle/>
-                    <a:p>
-                      <a:r>
-                        <a:rPr lang="en-US" sz="2400" dirty="0" smtClean="0"/>
-                        <a:t>School Subjects Used</a:t>
-                      </a:r>
-                      <a:endParaRPr lang="en-US" sz="2400" dirty="0"/>
-                    </a:p>
-                  </a:txBody>
-                  <a:tcPr/>
-                </a:tc>
-              </a:tr>
-              <a:tr h="370840">
-                <a:tc>
-                  <a:txBody>
-                    <a:bodyPr/>
-                    <a:lstStyle/>
-                    <a:p>
-                      <a:r>
-                        <a:rPr lang="en-US" sz="2400" dirty="0" smtClean="0"/>
-                        <a:t>Behavioral analytics</a:t>
-                      </a:r>
-                      <a:endParaRPr lang="en-US" sz="2400" dirty="0"/>
-                    </a:p>
-                  </a:txBody>
-                  <a:tcPr/>
-                </a:tc>
-                <a:tc>
-                  <a:txBody>
-                    <a:bodyPr/>
-                    <a:lstStyle/>
-                    <a:p>
-                      <a:r>
-                        <a:rPr lang="en-US" sz="2400" dirty="0" smtClean="0"/>
-                        <a:t>Coding, Optimization, Machine Learning</a:t>
-                      </a:r>
-                      <a:endParaRPr lang="en-US" sz="2400" dirty="0"/>
-                    </a:p>
-                  </a:txBody>
-                  <a:tcPr/>
-                </a:tc>
-              </a:tr>
-              <a:tr h="370840">
-                <a:tc>
-                  <a:txBody>
-                    <a:bodyPr/>
-                    <a:lstStyle/>
-                    <a:p>
-                      <a:r>
-                        <a:rPr lang="en-US" sz="2400" dirty="0" smtClean="0"/>
-                        <a:t>Alpha generation</a:t>
-                      </a:r>
-                      <a:endParaRPr lang="en-US" sz="2400" dirty="0"/>
-                    </a:p>
-                  </a:txBody>
-                  <a:tcPr/>
-                </a:tc>
-                <a:tc>
-                  <a:txBody>
-                    <a:bodyPr/>
-                    <a:lstStyle/>
-                    <a:p>
-                      <a:r>
-                        <a:rPr lang="en-US" sz="2400" dirty="0" smtClean="0"/>
-                        <a:t>Coding, Optimization, Machine Learning, Econometrics</a:t>
-                      </a:r>
-                      <a:endParaRPr lang="en-US" sz="2400" dirty="0"/>
-                    </a:p>
-                  </a:txBody>
-                  <a:tcPr/>
-                </a:tc>
-              </a:tr>
-              <a:tr h="370840">
-                <a:tc>
-                  <a:txBody>
-                    <a:bodyPr/>
-                    <a:lstStyle/>
-                    <a:p>
-                      <a:r>
-                        <a:rPr lang="en-US" sz="2400" dirty="0" smtClean="0"/>
-                        <a:t>Portfolio/Risk</a:t>
-                      </a:r>
-                      <a:r>
-                        <a:rPr lang="en-US" sz="2400" baseline="0" dirty="0" smtClean="0"/>
-                        <a:t> management</a:t>
-                      </a:r>
-                      <a:endParaRPr lang="en-US" sz="2400" dirty="0"/>
-                    </a:p>
-                  </a:txBody>
-                  <a:tcPr/>
-                </a:tc>
-                <a:tc>
-                  <a:txBody>
-                    <a:bodyPr/>
-                    <a:lstStyle/>
-                    <a:p>
-                      <a:r>
-                        <a:rPr lang="en-US" sz="2400" dirty="0" smtClean="0"/>
-                        <a:t>Coding, Optimization, Econometrics,</a:t>
-                      </a:r>
-                      <a:r>
-                        <a:rPr lang="en-US" sz="2400" baseline="0" dirty="0" smtClean="0"/>
-                        <a:t> "Quant"</a:t>
-                      </a:r>
-                      <a:endParaRPr lang="en-US" sz="2400" dirty="0"/>
-                    </a:p>
-                  </a:txBody>
-                  <a:tcPr/>
-                </a:tc>
-              </a:tr>
-              <a:tr h="370840">
-                <a:tc>
-                  <a:txBody>
-                    <a:bodyPr/>
-                    <a:lstStyle/>
-                    <a:p>
-                      <a:r>
-                        <a:rPr lang="en-US" sz="2400" dirty="0" smtClean="0"/>
-                        <a:t>Biz </a:t>
-                      </a:r>
-                      <a:r>
-                        <a:rPr lang="en-US" sz="2400" dirty="0" err="1" smtClean="0"/>
-                        <a:t>dev</a:t>
-                      </a:r>
-                      <a:endParaRPr lang="en-US" sz="2400" dirty="0"/>
-                    </a:p>
-                  </a:txBody>
-                  <a:tcPr/>
-                </a:tc>
-                <a:tc>
-                  <a:txBody>
-                    <a:bodyPr/>
-                    <a:lstStyle/>
-                    <a:p>
-                      <a:r>
-                        <a:rPr lang="en-US" sz="2400" dirty="0" smtClean="0"/>
-                        <a:t>Coding</a:t>
-                      </a:r>
-                      <a:endParaRPr lang="en-US" sz="2400" dirty="0"/>
-                    </a:p>
-                  </a:txBody>
-                  <a:tcPr/>
-                </a:tc>
-              </a:tr>
-            </a:tbl>
-          </a:graphicData>
-        </a:graphic>
-      </p:graphicFrame>
-      <p:sp>
-        <p:nvSpPr>
-          <p:cNvPr id="5" name="Content Placeholder 2"/>
-          <p:cNvSpPr txBox="1">
-            <a:spLocks/>
-          </p:cNvSpPr>
-          <p:nvPr/>
         </p:nvSpPr>
-        <p:spPr>
-          <a:xfrm>
-            <a:off x="609600" y="4724400"/>
-            <a:ext cx="7924800" cy="990600"/>
-          </a:xfrm>
-          <a:prstGeom prst="rect">
-            <a:avLst/>
-          </a:prstGeom>
-        </p:spPr>
+        <p:spPr/>
         <p:txBody>
-          <a:bodyPr vert="horz" lIns="91440" tIns="45720" rIns="91440" bIns="45720" rtlCol="0">
-            <a:normAutofit fontScale="92500"/>
+          <a:bodyPr>
+            <a:normAutofit/>
           </a:bodyPr>
-          <a:lstStyle>
-            <a:lvl1pPr marL="342900" indent="-342900" algn="l" defTabSz="914400" rtl="0" eaLnBrk="1" latinLnBrk="0" hangingPunct="1">
-              <a:lnSpc>
-                <a:spcPct val="100000"/>
-              </a:lnSpc>
-              <a:spcBef>
-                <a:spcPct val="20000"/>
-              </a:spcBef>
-              <a:spcAft>
-                <a:spcPts val="600"/>
-              </a:spcAft>
-              <a:buClr>
-                <a:schemeClr val="tx2"/>
-              </a:buClr>
-              <a:buFont typeface="Arial" pitchFamily="34" charset="0"/>
-              <a:buChar char="•"/>
-              <a:defRPr sz="2400" kern="1200" spc="30" baseline="0">
-                <a:solidFill>
-                  <a:schemeClr val="tx1"/>
-                </a:solidFill>
-                <a:latin typeface="+mn-lt"/>
-                <a:ea typeface="+mn-ea"/>
-                <a:cs typeface="+mn-cs"/>
-              </a:defRPr>
-            </a:lvl1pPr>
-            <a:lvl2pPr marL="742950" indent="-285750" algn="l" defTabSz="914400" rtl="0" eaLnBrk="1" latinLnBrk="0" hangingPunct="1">
-              <a:lnSpc>
-                <a:spcPct val="100000"/>
-              </a:lnSpc>
-              <a:spcBef>
-                <a:spcPct val="20000"/>
-              </a:spcBef>
-              <a:spcAft>
-                <a:spcPts val="600"/>
-              </a:spcAft>
-              <a:buClr>
-                <a:schemeClr val="tx2"/>
-              </a:buClr>
-              <a:buFont typeface="Arial" pitchFamily="34" charset="0"/>
-              <a:buChar char="•"/>
-              <a:defRPr sz="2400" kern="1200" spc="30" baseline="0">
-                <a:solidFill>
-                  <a:schemeClr val="tx1"/>
-                </a:solidFill>
-                <a:latin typeface="+mn-lt"/>
-                <a:ea typeface="+mn-ea"/>
-                <a:cs typeface="+mn-cs"/>
-              </a:defRPr>
-            </a:lvl2pPr>
-            <a:lvl3pPr marL="1143000" indent="-228600" algn="l" defTabSz="914400" rtl="0" eaLnBrk="1" latinLnBrk="0" hangingPunct="1">
-              <a:lnSpc>
-                <a:spcPct val="100000"/>
-              </a:lnSpc>
-              <a:spcBef>
-                <a:spcPct val="20000"/>
-              </a:spcBef>
-              <a:spcAft>
-                <a:spcPts val="600"/>
-              </a:spcAft>
-              <a:buClr>
-                <a:schemeClr val="tx2"/>
-              </a:buClr>
-              <a:buFont typeface="Arial" pitchFamily="34" charset="0"/>
-              <a:buChar char="•"/>
-              <a:defRPr sz="2400" kern="1200" spc="30" baseline="0">
-                <a:solidFill>
-                  <a:schemeClr val="tx1"/>
-                </a:solidFill>
-                <a:latin typeface="+mn-lt"/>
-                <a:ea typeface="+mn-ea"/>
-                <a:cs typeface="+mn-cs"/>
-              </a:defRPr>
-            </a:lvl3pPr>
-            <a:lvl4pPr marL="1600200" indent="-228600" algn="l" defTabSz="914400" rtl="0" eaLnBrk="1" latinLnBrk="0" hangingPunct="1">
-              <a:lnSpc>
-                <a:spcPct val="100000"/>
-              </a:lnSpc>
-              <a:spcBef>
-                <a:spcPct val="20000"/>
-              </a:spcBef>
-              <a:spcAft>
-                <a:spcPts val="600"/>
-              </a:spcAft>
-              <a:buClr>
-                <a:schemeClr val="tx2"/>
-              </a:buClr>
-              <a:buFont typeface="Arial" pitchFamily="34" charset="0"/>
-              <a:buChar char="•"/>
-              <a:defRPr sz="2400" kern="1200" spc="30" baseline="0">
-                <a:solidFill>
-                  <a:schemeClr val="tx1"/>
-                </a:solidFill>
-                <a:latin typeface="+mn-lt"/>
-                <a:ea typeface="+mn-ea"/>
-                <a:cs typeface="+mn-cs"/>
-              </a:defRPr>
-            </a:lvl4pPr>
-            <a:lvl5pPr marL="2057400" indent="-228600" algn="l" defTabSz="914400" rtl="0" eaLnBrk="1" latinLnBrk="0" hangingPunct="1">
-              <a:lnSpc>
-                <a:spcPct val="100000"/>
-              </a:lnSpc>
-              <a:spcBef>
-                <a:spcPct val="20000"/>
-              </a:spcBef>
-              <a:spcAft>
-                <a:spcPts val="600"/>
-              </a:spcAft>
-              <a:buClr>
-                <a:schemeClr val="tx2"/>
-              </a:buClr>
-              <a:buFont typeface="Arial" pitchFamily="34" charset="0"/>
-              <a:buChar char="•"/>
-              <a:defRPr sz="2400" kern="1200" spc="30" baseline="0">
-                <a:solidFill>
-                  <a:schemeClr val="tx1"/>
-                </a:solidFill>
-                <a:latin typeface="+mn-lt"/>
-                <a:ea typeface="+mn-ea"/>
-                <a:cs typeface="+mn-cs"/>
-              </a:defRPr>
-            </a:lvl5pPr>
-            <a:lvl6pPr marL="2514600" indent="-228600" algn="l" defTabSz="914400" rtl="0" eaLnBrk="1" latinLnBrk="0" hangingPunct="1">
-              <a:lnSpc>
-                <a:spcPct val="100000"/>
-              </a:lnSpc>
-              <a:spcBef>
-                <a:spcPct val="20000"/>
-              </a:spcBef>
-              <a:spcAft>
-                <a:spcPts val="600"/>
-              </a:spcAft>
-              <a:buClr>
-                <a:schemeClr val="tx2"/>
-              </a:buClr>
-              <a:buFont typeface="Arial" pitchFamily="34" charset="0"/>
-              <a:buChar char="•"/>
-              <a:defRPr sz="1700" kern="1200">
-                <a:solidFill>
-                  <a:schemeClr val="tx1"/>
-                </a:solidFill>
-                <a:latin typeface="+mn-lt"/>
-                <a:ea typeface="+mn-ea"/>
-                <a:cs typeface="+mn-cs"/>
-              </a:defRPr>
-            </a:lvl6pPr>
-            <a:lvl7pPr marL="2971800" indent="-228600" algn="l" defTabSz="914400" rtl="0" eaLnBrk="1" latinLnBrk="0" hangingPunct="1">
-              <a:lnSpc>
-                <a:spcPct val="100000"/>
-              </a:lnSpc>
-              <a:spcBef>
-                <a:spcPct val="20000"/>
-              </a:spcBef>
-              <a:spcAft>
-                <a:spcPts val="600"/>
-              </a:spcAft>
-              <a:buClr>
-                <a:schemeClr val="tx2"/>
-              </a:buClr>
-              <a:buFont typeface="Arial" pitchFamily="34" charset="0"/>
-              <a:buChar char="•"/>
-              <a:defRPr sz="1700" kern="1200">
-                <a:solidFill>
-                  <a:schemeClr val="tx1"/>
-                </a:solidFill>
-                <a:latin typeface="+mn-lt"/>
-                <a:ea typeface="+mn-ea"/>
-                <a:cs typeface="+mn-cs"/>
-              </a:defRPr>
-            </a:lvl7pPr>
-            <a:lvl8pPr marL="3429000" indent="-228600" algn="l" defTabSz="914400" rtl="0" eaLnBrk="1" latinLnBrk="0" hangingPunct="1">
-              <a:lnSpc>
-                <a:spcPct val="100000"/>
-              </a:lnSpc>
-              <a:spcBef>
-                <a:spcPct val="20000"/>
-              </a:spcBef>
-              <a:spcAft>
-                <a:spcPts val="600"/>
-              </a:spcAft>
-              <a:buClr>
-                <a:schemeClr val="tx2"/>
-              </a:buClr>
-              <a:buFont typeface="Arial" pitchFamily="34" charset="0"/>
-              <a:buChar char="•"/>
-              <a:defRPr sz="1700" kern="1200">
-                <a:solidFill>
-                  <a:schemeClr val="tx1"/>
-                </a:solidFill>
-                <a:latin typeface="+mn-lt"/>
-                <a:ea typeface="+mn-ea"/>
-                <a:cs typeface="+mn-cs"/>
-              </a:defRPr>
-            </a:lvl8pPr>
-            <a:lvl9pPr marL="3886200" indent="-228600" algn="l" defTabSz="914400" rtl="0" eaLnBrk="1" latinLnBrk="0" hangingPunct="1">
-              <a:lnSpc>
-                <a:spcPct val="100000"/>
-              </a:lnSpc>
-              <a:spcBef>
-                <a:spcPct val="20000"/>
-              </a:spcBef>
-              <a:spcAft>
-                <a:spcPts val="600"/>
-              </a:spcAft>
-              <a:buClr>
-                <a:schemeClr val="tx2"/>
-              </a:buClr>
-              <a:buFont typeface="Arial" pitchFamily="34" charset="0"/>
-              <a:buChar char="•"/>
-              <a:defRPr sz="1700" kern="1200">
-                <a:solidFill>
-                  <a:schemeClr val="tx1"/>
-                </a:solidFill>
-                <a:latin typeface="+mn-lt"/>
-                <a:ea typeface="+mn-ea"/>
-                <a:cs typeface="+mn-cs"/>
-              </a:defRPr>
-            </a:lvl9pPr>
-          </a:lstStyle>
-          <a:p>
-            <a:r>
-              <a:rPr lang="en-US" dirty="0" smtClean="0"/>
-              <a:t>Subjects not learned in school: (software) engineering, investments / markets</a:t>
-            </a:r>
-            <a:r>
-              <a:rPr lang="en-US" dirty="0"/>
-              <a:t> (CFA)</a:t>
-            </a:r>
-            <a:r>
-              <a:rPr lang="en-US" dirty="0" smtClean="0"/>
-              <a:t>, company/market valuation (CFA), AI, marketing/sales</a:t>
-            </a:r>
-            <a:endParaRPr lang="en-US" dirty="0"/>
+          <a:lstStyle/>
+          <a:p>
+            <a:r>
+              <a:rPr lang="en-US" sz="2000" dirty="0"/>
+              <a:t>Value add:</a:t>
+            </a:r>
+          </a:p>
+          <a:p>
+            <a:pPr lvl="1"/>
+            <a:r>
+              <a:rPr lang="en-US" sz="2000" dirty="0"/>
+              <a:t>Behavioral analytics</a:t>
+            </a:r>
+          </a:p>
+          <a:p>
+            <a:pPr lvl="1"/>
+            <a:r>
+              <a:rPr lang="en-US" sz="2000" dirty="0"/>
+              <a:t>Alpha generation</a:t>
+            </a:r>
+          </a:p>
+          <a:p>
+            <a:pPr lvl="1"/>
+            <a:r>
+              <a:rPr lang="en-US" sz="2000" dirty="0"/>
+              <a:t>Portfolio/Risk management</a:t>
+            </a:r>
+          </a:p>
+          <a:p>
+            <a:pPr lvl="1"/>
+            <a:r>
+              <a:rPr lang="en-US" sz="2000" dirty="0"/>
+              <a:t>Biz </a:t>
+            </a:r>
+            <a:r>
+              <a:rPr lang="en-US" sz="2000" dirty="0" err="1"/>
+              <a:t>dev</a:t>
+            </a:r>
+            <a:endParaRPr lang="en-US" sz="2000" dirty="0"/>
+          </a:p>
+          <a:p>
+            <a:r>
+              <a:rPr lang="en-US" sz="2000" dirty="0"/>
+              <a:t>School Subjects Used: </a:t>
+            </a:r>
+            <a:r>
+              <a:rPr lang="en-US" sz="2000" dirty="0" smtClean="0"/>
+              <a:t>coding</a:t>
+            </a:r>
+            <a:r>
+              <a:rPr lang="en-US" sz="2000" dirty="0"/>
+              <a:t>, </a:t>
+            </a:r>
+            <a:r>
+              <a:rPr lang="en-US" sz="2000" dirty="0" smtClean="0"/>
+              <a:t>optimization</a:t>
+            </a:r>
+            <a:r>
+              <a:rPr lang="en-US" sz="2000" dirty="0"/>
+              <a:t>, </a:t>
+            </a:r>
+            <a:r>
+              <a:rPr lang="en-US" sz="2000" dirty="0" smtClean="0"/>
+              <a:t>machine learning, stats/econometrics</a:t>
+            </a:r>
+            <a:endParaRPr lang="en-US" sz="2000" dirty="0"/>
+          </a:p>
+          <a:p>
+            <a:r>
+              <a:rPr lang="en-US" sz="2000" dirty="0"/>
+              <a:t>Subjects not learned in school: (software) engineering, </a:t>
+            </a:r>
+            <a:r>
+              <a:rPr lang="en-US" sz="2000" dirty="0" smtClean="0"/>
+              <a:t>portfolio management, investments </a:t>
+            </a:r>
+            <a:r>
+              <a:rPr lang="en-US" sz="2000" dirty="0"/>
+              <a:t>/ markets (CFA), company/market valuation (CFA), AI, </a:t>
+            </a:r>
+            <a:r>
+              <a:rPr lang="en-US" sz="2000" dirty="0" smtClean="0"/>
+              <a:t>marketing/sales</a:t>
+            </a:r>
+            <a:endParaRPr lang="en-US" sz="2000" dirty="0"/>
           </a:p>
         </p:txBody>
       </p:sp>
@@ -9048,7 +8800,7 @@
           <a:p>
             <a:r>
               <a:rPr lang="en-US" dirty="0" smtClean="0"/>
-              <a:t>Interview process</a:t>
+              <a:t>HOW we do it</a:t>
             </a:r>
             <a:endParaRPr lang="en-US" dirty="0"/>
           </a:p>
@@ -9064,46 +8816,172 @@
             <p:ph sz="quarter" idx="13"/>
           </p:nvPr>
         </p:nvSpPr>
-        <p:spPr/>
+        <p:spPr>
+          <a:xfrm>
+            <a:off x="609600" y="1600200"/>
+            <a:ext cx="7924800" cy="2819400"/>
+          </a:xfrm>
+        </p:spPr>
         <p:txBody>
           <a:bodyPr/>
           <a:lstStyle/>
           <a:p>
             <a:r>
+              <a:rPr lang="en-US" dirty="0" err="1" smtClean="0"/>
+              <a:t>Datascience</a:t>
+            </a:r>
+            <a:r>
               <a:rPr lang="en-US" dirty="0" smtClean="0"/>
-              <a:t>15mins phone screen</a:t>
-            </a:r>
-          </a:p>
-          <a:p>
+              <a:t> </a:t>
+            </a:r>
+            <a:r>
+              <a:rPr lang="en-US" dirty="0"/>
+              <a:t>stack details</a:t>
+            </a:r>
+            <a:br>
+              <a:rPr lang="en-US" dirty="0"/>
+            </a:br>
+            <a:r>
+              <a:rPr lang="en-US" dirty="0">
+                <a:hlinkClick r:id="rId2"/>
+              </a:rPr>
+              <a:t>https://</a:t>
+            </a:r>
+            <a:r>
+              <a:rPr lang="en-US" dirty="0" smtClean="0">
+                <a:hlinkClick r:id="rId2"/>
+              </a:rPr>
+              <a:t>github.com/citynorman/datasci-finance/blob/master/references.ipynb</a:t>
+            </a:r>
             <a:r>
               <a:rPr lang="en-US" dirty="0" smtClean="0"/>
-              <a:t>Complete coding test</a:t>
-            </a:r>
-          </a:p>
-          <a:p>
-            <a:r>
-              <a:rPr lang="en-US" dirty="0" smtClean="0"/>
-              <a:t>30mins with team members</a:t>
-            </a:r>
-          </a:p>
-          <a:p>
-            <a:r>
-              <a:rPr lang="en-US" dirty="0" smtClean="0"/>
-              <a:t>Work on creative project</a:t>
-            </a:r>
-          </a:p>
-          <a:p>
-            <a:r>
-              <a:rPr lang="en-US" dirty="0" smtClean="0"/>
-              <a:t>Present project and 30mins with senior managers</a:t>
-            </a:r>
+              <a:t> </a:t>
+            </a:r>
+            <a:endParaRPr lang="en-US" dirty="0"/>
+          </a:p>
+        </p:txBody>
+      </p:sp>
+      <p:sp>
+        <p:nvSpPr>
+          <p:cNvPr id="4" name="AutoShape 2" descr="Image result for postgresql logo"/>
+          <p:cNvSpPr>
+            <a:spLocks noChangeAspect="1" noChangeArrowheads="1"/>
+          </p:cNvSpPr>
+          <p:nvPr/>
+        </p:nvSpPr>
+        <p:spPr bwMode="auto">
+          <a:xfrm>
+            <a:off x="155575" y="-144463"/>
+            <a:ext cx="304800" cy="304801"/>
+          </a:xfrm>
+          <a:prstGeom prst="rect">
+            <a:avLst/>
+          </a:prstGeom>
+          <a:noFill/>
+          <a:extLst>
+            <a:ext uri="{909E8E84-426E-40DD-AFC4-6F175D3DCCD1}">
+              <a14:hiddenFill xmlns:a14="http://schemas.microsoft.com/office/drawing/2010/main">
+                <a:solidFill>
+                  <a:srgbClr val="FFFFFF"/>
+                </a:solidFill>
+              </a14:hiddenFill>
+            </a:ext>
+          </a:extLst>
+        </p:spPr>
+        <p:txBody>
+          <a:bodyPr vert="horz" wrap="square" lIns="91440" tIns="45720" rIns="91440" bIns="45720" numCol="1" anchor="t" anchorCtr="0" compatLnSpc="1">
+            <a:prstTxWarp prst="textNoShape">
+              <a:avLst/>
+            </a:prstTxWarp>
+          </a:bodyPr>
+          <a:lstStyle/>
+          <a:p>
+            <a:endParaRPr lang="en-US"/>
+          </a:p>
+        </p:txBody>
+      </p:sp>
+      <p:sp>
+        <p:nvSpPr>
+          <p:cNvPr id="5" name="AutoShape 4" descr="Image result for postgresql logo"/>
+          <p:cNvSpPr>
+            <a:spLocks noChangeAspect="1" noChangeArrowheads="1"/>
+          </p:cNvSpPr>
+          <p:nvPr/>
+        </p:nvSpPr>
+        <p:spPr bwMode="auto">
+          <a:xfrm>
+            <a:off x="307975" y="7937"/>
+            <a:ext cx="304800" cy="304801"/>
+          </a:xfrm>
+          <a:prstGeom prst="rect">
+            <a:avLst/>
+          </a:prstGeom>
+          <a:noFill/>
+          <a:extLst>
+            <a:ext uri="{909E8E84-426E-40DD-AFC4-6F175D3DCCD1}">
+              <a14:hiddenFill xmlns:a14="http://schemas.microsoft.com/office/drawing/2010/main">
+                <a:solidFill>
+                  <a:srgbClr val="FFFFFF"/>
+                </a:solidFill>
+              </a14:hiddenFill>
+            </a:ext>
+          </a:extLst>
+        </p:spPr>
+        <p:txBody>
+          <a:bodyPr vert="horz" wrap="square" lIns="91440" tIns="45720" rIns="91440" bIns="45720" numCol="1" anchor="t" anchorCtr="0" compatLnSpc="1">
+            <a:prstTxWarp prst="textNoShape">
+              <a:avLst/>
+            </a:prstTxWarp>
+          </a:bodyPr>
+          <a:lstStyle/>
+          <a:p>
+            <a:endParaRPr lang="en-US"/>
+          </a:p>
+        </p:txBody>
+      </p:sp>
+      <p:sp>
+        <p:nvSpPr>
+          <p:cNvPr id="6" name="AutoShape 6" descr="Image result for postgresql logo"/>
+          <p:cNvSpPr>
+            <a:spLocks noChangeAspect="1" noChangeArrowheads="1"/>
+          </p:cNvSpPr>
+          <p:nvPr/>
+        </p:nvSpPr>
+        <p:spPr bwMode="auto">
+          <a:xfrm>
+            <a:off x="460375" y="160337"/>
+            <a:ext cx="304800" cy="304801"/>
+          </a:xfrm>
+          <a:prstGeom prst="rect">
+            <a:avLst/>
+          </a:prstGeom>
+          <a:noFill/>
+          <a:extLst>
+            <a:ext uri="{909E8E84-426E-40DD-AFC4-6F175D3DCCD1}">
+              <a14:hiddenFill xmlns:a14="http://schemas.microsoft.com/office/drawing/2010/main">
+                <a:solidFill>
+                  <a:srgbClr val="FFFFFF"/>
+                </a:solidFill>
+              </a14:hiddenFill>
+            </a:ext>
+          </a:extLst>
+        </p:spPr>
+        <p:txBody>
+          <a:bodyPr vert="horz" wrap="square" lIns="91440" tIns="45720" rIns="91440" bIns="45720" numCol="1" anchor="t" anchorCtr="0" compatLnSpc="1">
+            <a:prstTxWarp prst="textNoShape">
+              <a:avLst/>
+            </a:prstTxWarp>
+          </a:bodyPr>
+          <a:lstStyle/>
+          <a:p>
+            <a:endParaRPr lang="en-US"/>
           </a:p>
         </p:txBody>
       </p:sp>
     </p:spTree>
     <p:extLst>
       <p:ext uri="{BB962C8B-B14F-4D97-AF65-F5344CB8AC3E}">
-        <p14:creationId xmlns:p14="http://schemas.microsoft.com/office/powerpoint/2010/main" val="3499175740"/>
+        <p14:creationId xmlns:p14="http://schemas.microsoft.com/office/powerpoint/2010/main" val="49491205"/>
       </p:ext>
     </p:extLst>
   </p:cSld>
@@ -9154,7 +9032,7 @@
           <a:p>
             <a:r>
               <a:rPr lang="en-US" dirty="0" smtClean="0"/>
-              <a:t>Coding test</a:t>
+              <a:t>Interview process</a:t>
             </a:r>
             <a:endParaRPr lang="en-US" dirty="0"/>
           </a:p>
@@ -9177,68 +9055,39 @@
           <a:p>
             <a:r>
               <a:rPr lang="en-US" dirty="0" smtClean="0"/>
-              <a:t>Pandas munging (ETL): indexing, altering</a:t>
+              <a:t>15mins phone screen</a:t>
             </a:r>
           </a:p>
           <a:p>
             <a:r>
               <a:rPr lang="en-US" dirty="0" smtClean="0"/>
-              <a:t>Pandas computations: grouping, rolling apply</a:t>
+              <a:t>Complete coding test</a:t>
             </a:r>
           </a:p>
           <a:p>
             <a:r>
               <a:rPr lang="en-US" dirty="0" smtClean="0"/>
-              <a:t>Linux CLI</a:t>
+              <a:t>30mins with team members</a:t>
             </a:r>
           </a:p>
           <a:p>
             <a:r>
               <a:rPr lang="en-US" dirty="0" smtClean="0"/>
-              <a:t>SQL</a:t>
+              <a:t>Work on creative project</a:t>
             </a:r>
           </a:p>
           <a:p>
             <a:r>
               <a:rPr lang="en-US" dirty="0" smtClean="0"/>
-              <a:t>Stats: time series modeling</a:t>
-            </a:r>
-          </a:p>
-          <a:p>
-            <a:r>
-              <a:rPr lang="en-US" dirty="0" smtClean="0"/>
-              <a:t>Machine learning: CV, RF</a:t>
-            </a:r>
-          </a:p>
-          <a:p>
-            <a:r>
-              <a:rPr lang="en-US" dirty="0" smtClean="0"/>
-              <a:t>Portfolio Optimization</a:t>
-            </a:r>
-          </a:p>
-          <a:p>
-            <a:r>
-              <a:rPr lang="en-US" dirty="0" smtClean="0"/>
-              <a:t>Bonus: </a:t>
-            </a:r>
-            <a:r>
-              <a:rPr lang="en-US" dirty="0" err="1" smtClean="0"/>
-              <a:t>hadoop</a:t>
-            </a:r>
-            <a:r>
-              <a:rPr lang="en-US" dirty="0" smtClean="0"/>
-              <a:t> spark</a:t>
-            </a:r>
-          </a:p>
-          <a:p>
-            <a:endParaRPr lang="en-US" dirty="0"/>
+              <a:t>Present project and 30mins with senior managers</a:t>
+            </a:r>
           </a:p>
         </p:txBody>
       </p:sp>
     </p:spTree>
     <p:extLst>
       <p:ext uri="{BB962C8B-B14F-4D97-AF65-F5344CB8AC3E}">
-        <p14:creationId xmlns:p14="http://schemas.microsoft.com/office/powerpoint/2010/main" val="192953067"/>
+        <p14:creationId xmlns:p14="http://schemas.microsoft.com/office/powerpoint/2010/main" val="3499175740"/>
       </p:ext>
     </p:extLst>
   </p:cSld>
@@ -9289,7 +9138,7 @@
           <a:p>
             <a:r>
               <a:rPr lang="en-US" dirty="0" smtClean="0"/>
-              <a:t>Coding prep</a:t>
+              <a:t>Coding test</a:t>
             </a:r>
             <a:endParaRPr lang="en-US" dirty="0"/>
           </a:p>
@@ -9311,28 +9160,69 @@
           <a:lstStyle/>
           <a:p>
             <a:r>
-              <a:rPr lang="en-US" dirty="0">
-                <a:hlinkClick r:id="rId2"/>
-              </a:rPr>
-              <a:t>https://</a:t>
-            </a:r>
-            <a:r>
-              <a:rPr lang="en-US" dirty="0" smtClean="0">
-                <a:hlinkClick r:id="rId2"/>
-              </a:rPr>
-              <a:t>github.com/citynorman/datasci-finance</a:t>
-            </a:r>
-            <a:r>
               <a:rPr lang="en-US" dirty="0" smtClean="0"/>
-              <a:t> </a:t>
-            </a:r>
+              <a:t>Pandas munging (ETL): indexing, altering</a:t>
+            </a:r>
+          </a:p>
+          <a:p>
+            <a:r>
+              <a:rPr lang="en-US" dirty="0" smtClean="0"/>
+              <a:t>Pandas computations: grouping, rolling apply</a:t>
+            </a:r>
+          </a:p>
+          <a:p>
+            <a:r>
+              <a:rPr lang="en-US" dirty="0" smtClean="0"/>
+              <a:t>Linux CLI</a:t>
+            </a:r>
+          </a:p>
+          <a:p>
+            <a:r>
+              <a:rPr lang="en-US" dirty="0" smtClean="0"/>
+              <a:t>SQL</a:t>
+            </a:r>
+          </a:p>
+          <a:p>
+            <a:r>
+              <a:rPr lang="en-US" dirty="0" smtClean="0"/>
+              <a:t>Stats: time series modeling</a:t>
+            </a:r>
+          </a:p>
+          <a:p>
+            <a:r>
+              <a:rPr lang="en-US" dirty="0" smtClean="0"/>
+              <a:t>Machine learning: CV, RF</a:t>
+            </a:r>
+          </a:p>
+          <a:p>
+            <a:r>
+              <a:rPr lang="en-US" dirty="0" smtClean="0"/>
+              <a:t>Portfolio Optimization</a:t>
+            </a:r>
+          </a:p>
+          <a:p>
+            <a:r>
+              <a:rPr lang="en-US" dirty="0" smtClean="0"/>
+              <a:t>Bonus: </a:t>
+            </a:r>
+            <a:r>
+              <a:rPr lang="en-US" dirty="0" err="1" smtClean="0"/>
+              <a:t>hadoop</a:t>
+            </a:r>
+            <a:r>
+              <a:rPr lang="en-US" dirty="0" smtClean="0"/>
+              <a:t> spark</a:t>
+            </a:r>
+          </a:p>
+          <a:p>
+            <a:endParaRPr lang="en-US" dirty="0"/>
           </a:p>
         </p:txBody>
       </p:sp>
     </p:spTree>
     <p:extLst>
       <p:ext uri="{BB962C8B-B14F-4D97-AF65-F5344CB8AC3E}">
-        <p14:creationId xmlns:p14="http://schemas.microsoft.com/office/powerpoint/2010/main" val="2301309479"/>
+        <p14:creationId xmlns:p14="http://schemas.microsoft.com/office/powerpoint/2010/main" val="192953067"/>
       </p:ext>
     </p:extLst>
   </p:cSld>
